--- a/textbook/파이썬5-2교시.pptx
+++ b/textbook/파이썬5-2교시.pptx
@@ -9,7 +9,8 @@
     <p:sldId id="257" r:id="rId3"/>
     <p:sldId id="270" r:id="rId4"/>
     <p:sldId id="271" r:id="rId5"/>
-    <p:sldId id="266" r:id="rId6"/>
+    <p:sldId id="272" r:id="rId6"/>
+    <p:sldId id="266" r:id="rId7"/>
   </p:sldIdLst>
   <p:sldSz cx="9144000" cy="6858000" type="screen4x3"/>
   <p:notesSz cx="6858000" cy="9144000"/>
@@ -110,7 +111,7 @@
   </p:defaultTextStyle>
   <p:extLst>
     <p:ext uri="{EFAFB233-063F-42B5-8137-9DF3F51BA10A}">
-      <p15:sldGuideLst xmlns:p15="http://schemas.microsoft.com/office/powerpoint/2012/main">
+      <p15:sldGuideLst xmlns:p15="http://schemas.microsoft.com/office/powerpoint/2012/main" xmlns="">
         <p15:guide id="1" orient="horz" pos="2154">
           <p15:clr>
             <a:srgbClr val="A4A3A4"/>
@@ -8362,14 +8363,7 @@
   <p:clrMapOvr>
     <a:masterClrMapping/>
   </p:clrMapOvr>
-  <mc:AlternateContent xmlns:mc="http://schemas.openxmlformats.org/markup-compatibility/2006" xmlns:p14="http://schemas.microsoft.com/office/powerpoint/2010/main">
-    <mc:Choice Requires="p14">
-      <p:transition/>
-    </mc:Choice>
-    <mc:Fallback xmlns="" xmlns:c="http://schemas.openxmlformats.org/drawingml/2006/chart" xmlns:dgm="http://schemas.openxmlformats.org/drawingml/2006/diagram" xmlns:dsp="http://schemas.microsoft.com/office/drawing/2008/diagram">
-      <p:transition/>
-    </mc:Fallback>
-  </mc:AlternateContent>
+  <p:transition/>
   <p:timing>
     <p:tnLst>
       <p:par>
@@ -8497,14 +8491,7 @@
   <p:clrMapOvr>
     <a:masterClrMapping/>
   </p:clrMapOvr>
-  <mc:AlternateContent xmlns:mc="http://schemas.openxmlformats.org/markup-compatibility/2006" xmlns:p14="http://schemas.microsoft.com/office/powerpoint/2010/main">
-    <mc:Choice Requires="p14">
-      <p:transition/>
-    </mc:Choice>
-    <mc:Fallback xmlns="" xmlns:c="http://schemas.openxmlformats.org/drawingml/2006/chart" xmlns:dgm="http://schemas.openxmlformats.org/drawingml/2006/diagram" xmlns:dsp="http://schemas.microsoft.com/office/drawing/2008/diagram">
-      <p:transition/>
-    </mc:Fallback>
-  </mc:AlternateContent>
+  <p:transition/>
   <p:timing>
     <p:tnLst>
       <p:par>
@@ -8537,7 +8524,7 @@
           <p:cNvPr id="3" name="내용 개체 틀 2">
             <a:extLst>
               <a:ext uri="{FF2B5EF4-FFF2-40B4-BE49-F238E27FC236}">
-                <a16:creationId xmlns:a16="http://schemas.microsoft.com/office/drawing/2014/main" id="{7B25DF7F-0966-42D5-97F3-92BB0C5E5BCB}"/>
+                <a16:creationId xmlns:a16="http://schemas.microsoft.com/office/drawing/2014/main" xmlns="" id="{7B25DF7F-0966-42D5-97F3-92BB0C5E5BCB}"/>
               </a:ext>
             </a:extLst>
           </p:cNvPr>
@@ -8573,6 +8560,27 @@
               <a:rPr lang="en-US" altLang="ko-KR" dirty="0" smtClean="0"/>
               <a:t>.</a:t>
             </a:r>
+          </a:p>
+          <a:p>
+            <a:endParaRPr lang="en-US" altLang="ko-KR" dirty="0"/>
+          </a:p>
+          <a:p>
+            <a:r>
+              <a:rPr lang="ko-KR" altLang="en-US" dirty="0" smtClean="0"/>
+              <a:t>이미지 파일 만들 때 </a:t>
+            </a:r>
+            <a:r>
+              <a:rPr lang="ko-KR" altLang="en-US" dirty="0" err="1" smtClean="0"/>
+              <a:t>알파값이</a:t>
+            </a:r>
+            <a:r>
+              <a:rPr lang="ko-KR" altLang="en-US" dirty="0" smtClean="0"/>
+              <a:t> 있는 파일로 만들어서 불러오기</a:t>
+            </a:r>
+            <a:r>
+              <a:rPr lang="en-US" altLang="ko-KR" dirty="0" smtClean="0"/>
+              <a:t>.</a:t>
+            </a:r>
             <a:endParaRPr lang="ko-KR" altLang="en-US" dirty="0"/>
           </a:p>
         </p:txBody>
@@ -8582,7 +8590,7 @@
           <p:cNvPr id="2" name="제목 1">
             <a:extLst>
               <a:ext uri="{FF2B5EF4-FFF2-40B4-BE49-F238E27FC236}">
-                <a16:creationId xmlns:a16="http://schemas.microsoft.com/office/drawing/2014/main" id="{6D37EEC8-1512-46D5-BA3D-AD54A1370C1B}"/>
+                <a16:creationId xmlns:a16="http://schemas.microsoft.com/office/drawing/2014/main" xmlns="" id="{6D37EEC8-1512-46D5-BA3D-AD54A1370C1B}"/>
               </a:ext>
             </a:extLst>
           </p:cNvPr>
@@ -8647,7 +8655,7 @@
           <p:cNvPr id="2" name="내용 개체 틀 1">
             <a:extLst>
               <a:ext uri="{FF2B5EF4-FFF2-40B4-BE49-F238E27FC236}">
-                <a16:creationId xmlns:a16="http://schemas.microsoft.com/office/drawing/2014/main" id="{D76897BA-2D96-4E6A-A0EB-0D35FF91295E}"/>
+                <a16:creationId xmlns:a16="http://schemas.microsoft.com/office/drawing/2014/main" xmlns="" id="{D76897BA-2D96-4E6A-A0EB-0D35FF91295E}"/>
               </a:ext>
             </a:extLst>
           </p:cNvPr>
@@ -8675,6 +8683,22 @@
               <a:rPr lang="en-US" altLang="ko-KR" dirty="0" smtClean="0"/>
               <a:t>. </a:t>
             </a:r>
+            <a:endParaRPr lang="en-US" altLang="ko-KR" dirty="0" smtClean="0"/>
+          </a:p>
+          <a:p>
+            <a:endParaRPr lang="en-US" altLang="ko-KR" dirty="0"/>
+          </a:p>
+          <a:p>
+            <a:r>
+              <a:rPr lang="ko-KR" altLang="en-US" dirty="0" smtClean="0"/>
+              <a:t>클래스 객체를 넘겨서 접근하는 방법 활용하기</a:t>
+            </a:r>
+            <a:endParaRPr lang="en-US" altLang="ko-KR" dirty="0" smtClean="0"/>
+          </a:p>
+          <a:p>
+            <a:endParaRPr lang="en-US" altLang="ko-KR" dirty="0"/>
+          </a:p>
+          <a:p>
             <a:endParaRPr lang="en-US" altLang="ko-KR" dirty="0"/>
           </a:p>
           <a:p>
@@ -8687,7 +8711,7 @@
           <p:cNvPr id="3" name="제목 2">
             <a:extLst>
               <a:ext uri="{FF2B5EF4-FFF2-40B4-BE49-F238E27FC236}">
-                <a16:creationId xmlns:a16="http://schemas.microsoft.com/office/drawing/2014/main" id="{9AA76EB7-ED78-432A-95D9-5B1EF5C46741}"/>
+                <a16:creationId xmlns:a16="http://schemas.microsoft.com/office/drawing/2014/main" xmlns="" id="{9AA76EB7-ED78-432A-95D9-5B1EF5C46741}"/>
               </a:ext>
             </a:extLst>
           </p:cNvPr>
@@ -8758,6 +8782,110 @@
       </p:grpSpPr>
       <p:sp>
         <p:nvSpPr>
+          <p:cNvPr id="2" name="내용 개체 틀 1"/>
+          <p:cNvSpPr>
+            <a:spLocks noGrp="1"/>
+          </p:cNvSpPr>
+          <p:nvPr>
+            <p:ph idx="1"/>
+          </p:nvPr>
+        </p:nvSpPr>
+        <p:spPr/>
+        <p:txBody>
+          <a:bodyPr/>
+          <a:lstStyle/>
+          <a:p>
+            <a:r>
+              <a:rPr lang="en-US" altLang="ko-KR" dirty="0" smtClean="0"/>
+              <a:t>List </a:t>
+            </a:r>
+            <a:r>
+              <a:rPr lang="ko-KR" altLang="en-US" dirty="0" smtClean="0"/>
+              <a:t>를 만들어서 객체 넣어서 다루기</a:t>
+            </a:r>
+            <a:endParaRPr lang="en-US" altLang="ko-KR" dirty="0" smtClean="0"/>
+          </a:p>
+          <a:p>
+            <a:endParaRPr lang="en-US" altLang="ko-KR" dirty="0"/>
+          </a:p>
+          <a:p>
+            <a:r>
+              <a:rPr lang="en-US" altLang="ko-KR" dirty="0" smtClean="0"/>
+              <a:t>for cloud in clouds: </a:t>
+            </a:r>
+            <a:r>
+              <a:rPr lang="ko-KR" altLang="en-US" dirty="0" smtClean="0"/>
+              <a:t>를 이용해서 리스트 모두 실행 시키기 </a:t>
+            </a:r>
+            <a:endParaRPr lang="en-US" altLang="ko-KR" dirty="0" smtClean="0"/>
+          </a:p>
+          <a:p>
+            <a:endParaRPr lang="en-US" altLang="ko-KR" dirty="0"/>
+          </a:p>
+          <a:p>
+            <a:r>
+              <a:rPr lang="ko-KR" altLang="en-US" dirty="0" smtClean="0"/>
+              <a:t>조건을 주어서 리스트 안의 내용 지우기</a:t>
+            </a:r>
+            <a:endParaRPr lang="ko-KR" altLang="en-US" dirty="0"/>
+          </a:p>
+        </p:txBody>
+      </p:sp>
+      <p:sp>
+        <p:nvSpPr>
+          <p:cNvPr id="3" name="제목 2"/>
+          <p:cNvSpPr>
+            <a:spLocks noGrp="1"/>
+          </p:cNvSpPr>
+          <p:nvPr>
+            <p:ph type="title"/>
+          </p:nvPr>
+        </p:nvSpPr>
+        <p:spPr/>
+        <p:txBody>
+          <a:bodyPr/>
+          <a:lstStyle/>
+          <a:p>
+            <a:r>
+              <a:rPr lang="ko-KR" altLang="en-US" dirty="0" smtClean="0"/>
+              <a:t>여러 개의 객체 다루기</a:t>
+            </a:r>
+            <a:endParaRPr lang="ko-KR" altLang="en-US" dirty="0"/>
+          </a:p>
+        </p:txBody>
+      </p:sp>
+    </p:spTree>
+    <p:extLst>
+      <p:ext uri="{BB962C8B-B14F-4D97-AF65-F5344CB8AC3E}">
+        <p14:creationId xmlns:p14="http://schemas.microsoft.com/office/powerpoint/2010/main" val="1715790646"/>
+      </p:ext>
+    </p:extLst>
+  </p:cSld>
+  <p:clrMapOvr>
+    <a:masterClrMapping/>
+  </p:clrMapOvr>
+</p:sld>
+</file>
+
+<file path=ppt/slides/slide6.xml><?xml version="1.0" encoding="utf-8"?>
+<p:sld xmlns:a="http://schemas.openxmlformats.org/drawingml/2006/main" xmlns:r="http://schemas.openxmlformats.org/officeDocument/2006/relationships" xmlns:p="http://schemas.openxmlformats.org/presentationml/2006/main">
+  <p:cSld>
+    <p:spTree>
+      <p:nvGrpSpPr>
+        <p:cNvPr id="1" name=""/>
+        <p:cNvGrpSpPr/>
+        <p:nvPr/>
+      </p:nvGrpSpPr>
+      <p:grpSpPr>
+        <a:xfrm>
+          <a:off x="0" y="0"/>
+          <a:ext cx="0" cy="0"/>
+          <a:chOff x="0" y="0"/>
+          <a:chExt cx="0" cy="0"/>
+        </a:xfrm>
+      </p:grpSpPr>
+      <p:sp>
+        <p:nvSpPr>
           <p:cNvPr id="3" name="내용 개체 틀 2"/>
           <p:cNvSpPr>
             <a:spLocks noGrp="1"/>
@@ -8783,8 +8911,20 @@
               <a:defRPr/>
             </a:pPr>
             <a:r>
+              <a:rPr lang="ko-KR" altLang="en-US" dirty="0" err="1" smtClean="0"/>
+              <a:t>여러가</a:t>
+            </a:r>
+            <a:r>
+              <a:rPr lang="ko-KR" altLang="en-US" dirty="0" err="1"/>
+              <a:t>지</a:t>
+            </a:r>
+            <a:r>
               <a:rPr lang="ko-KR" altLang="en-US" dirty="0" smtClean="0"/>
-              <a:t>다양한 객체의 움직임을 다양하게 조절해 보자</a:t>
+              <a:t> </a:t>
+            </a:r>
+            <a:r>
+              <a:rPr lang="ko-KR" altLang="en-US" dirty="0" smtClean="0"/>
+              <a:t>객체의 움직임을 다양하게 조절해 보자</a:t>
             </a:r>
             <a:r>
               <a:rPr lang="en-US" altLang="ko-KR" dirty="0" smtClean="0"/>
@@ -8864,14 +9004,7 @@
   <p:clrMapOvr>
     <a:masterClrMapping/>
   </p:clrMapOvr>
-  <mc:AlternateContent xmlns:mc="http://schemas.openxmlformats.org/markup-compatibility/2006" xmlns:p14="http://schemas.microsoft.com/office/powerpoint/2010/main">
-    <mc:Choice Requires="p14">
-      <p:transition/>
-    </mc:Choice>
-    <mc:Fallback xmlns:dsp="http://schemas.microsoft.com/office/drawing/2008/diagram" xmlns:dgm="http://schemas.openxmlformats.org/drawingml/2006/diagram" xmlns:c="http://schemas.openxmlformats.org/drawingml/2006/chart" xmlns="">
-      <p:transition/>
-    </mc:Fallback>
-  </mc:AlternateContent>
+  <p:transition/>
   <p:timing>
     <p:tnLst>
       <p:par>
